--- a/Proyecto final.pptx
+++ b/Proyecto final.pptx
@@ -8,10 +8,10 @@
   <p:sldIdLst>
     <p:sldId id="256" r:id="rId6"/>
     <p:sldId id="257" r:id="rId7"/>
-    <p:sldId id="258" r:id="rId8"/>
-    <p:sldId id="259" r:id="rId9"/>
-    <p:sldId id="260" r:id="rId10"/>
-    <p:sldId id="261" r:id="rId11"/>
+    <p:sldId id="265" r:id="rId8"/>
+    <p:sldId id="260" r:id="rId9"/>
+    <p:sldId id="261" r:id="rId10"/>
+    <p:sldId id="263" r:id="rId11"/>
     <p:sldId id="262" r:id="rId12"/>
   </p:sldIdLst>
   <p:sldSz cx="12192000" cy="6858000"/>
@@ -1062,10 +1062,10 @@
         <a:lstStyle/>
         <a:p>
           <a:r>
-            <a:rPr lang="es-EC"/>
-            <a:t>Creará su perfil con su nombre, apellido, número de celular, correo electrónico y su dirección.</a:t>
+            <a:rPr lang="es-EC" dirty="0"/>
+            <a:t>El cliente creará su perfil con su número de cédula, nombre y apellido, número de celular, correo electrónico, sexo, contraseña y una fotografía para que pueda realizar sus compras.</a:t>
           </a:r>
-          <a:endParaRPr lang="en-US"/>
+          <a:endParaRPr lang="en-US" dirty="0"/>
         </a:p>
       </dgm:t>
     </dgm:pt>
@@ -1099,10 +1099,10 @@
         <a:lstStyle/>
         <a:p>
           <a:r>
-            <a:rPr lang="es-EC"/>
+            <a:rPr lang="es-EC" dirty="0"/>
             <a:t>Se mostrará una barra de menús con las opciones de Mercado y Recetas donde entrará en una subcategoría que le permitirá seleccionar entre varios productos.</a:t>
           </a:r>
-          <a:endParaRPr lang="en-US"/>
+          <a:endParaRPr lang="en-US" dirty="0"/>
         </a:p>
       </dgm:t>
     </dgm:pt>
@@ -1416,10 +1416,10 @@
             <a:buNone/>
           </a:pPr>
           <a:r>
-            <a:rPr lang="es-EC" sz="1900" kern="1200"/>
-            <a:t>Creará su perfil con su nombre, apellido, número de celular, correo electrónico y su dirección.</a:t>
+            <a:rPr lang="es-EC" sz="1900" kern="1200" dirty="0"/>
+            <a:t>El cliente creará su perfil con su número de cédula, nombre y apellido, número de celular, correo electrónico, sexo, contraseña y una fotografía para que pueda realizar sus compras.</a:t>
           </a:r>
-          <a:endParaRPr lang="en-US" sz="1900" kern="1200"/>
+          <a:endParaRPr lang="en-US" sz="1900" kern="1200" dirty="0"/>
         </a:p>
       </dsp:txBody>
       <dsp:txXfrm>
@@ -1567,10 +1567,10 @@
             <a:buNone/>
           </a:pPr>
           <a:r>
-            <a:rPr lang="es-EC" sz="1900" kern="1200"/>
+            <a:rPr lang="es-EC" sz="1900" kern="1200" dirty="0"/>
             <a:t>Se mostrará una barra de menús con las opciones de Mercado y Recetas donde entrará en una subcategoría que le permitirá seleccionar entre varios productos.</a:t>
           </a:r>
-          <a:endParaRPr lang="en-US" sz="1900" kern="1200"/>
+          <a:endParaRPr lang="en-US" sz="1900" kern="1200" dirty="0"/>
         </a:p>
       </dsp:txBody>
       <dsp:txXfrm>
@@ -3379,7 +3379,7 @@
           <a:p>
             <a:fld id="{EA0C0817-A112-4847-8014-A94B7D2A4EA3}" type="datetime1">
               <a:rPr lang="en-US" smtClean="0"/>
-              <a:t>12/6/2020</a:t>
+              <a:t>12/13/2020</a:t>
             </a:fld>
             <a:endParaRPr lang="en-US" dirty="0"/>
           </a:p>
@@ -3581,7 +3581,7 @@
           <a:p>
             <a:fld id="{134F40B7-36AB-4376-BE14-EF7004D79BB9}" type="datetime1">
               <a:rPr lang="en-US" smtClean="0"/>
-              <a:t>12/6/2020</a:t>
+              <a:t>12/13/2020</a:t>
             </a:fld>
             <a:endParaRPr lang="en-US"/>
           </a:p>
@@ -3761,7 +3761,7 @@
           <a:p>
             <a:fld id="{FF87CAB8-DCAE-46A5-AADA-B3FAD11A54E0}" type="datetime1">
               <a:rPr lang="en-US" smtClean="0"/>
-              <a:t>12/6/2020</a:t>
+              <a:t>12/13/2020</a:t>
             </a:fld>
             <a:endParaRPr lang="en-US"/>
           </a:p>
@@ -6169,7 +6169,7 @@
           <a:p>
             <a:fld id="{3C04E684-10F4-4CC3-A0B9-F03AA7BE37CF}" type="datetimeFigureOut">
               <a:rPr lang="en-US" smtClean="0"/>
-              <a:t>12/6/2020</a:t>
+              <a:t>12/13/2020</a:t>
             </a:fld>
             <a:endParaRPr lang="en-US"/>
           </a:p>
@@ -6906,7 +6906,7 @@
           <a:p>
             <a:fld id="{3C04E684-10F4-4CC3-A0B9-F03AA7BE37CF}" type="datetimeFigureOut">
               <a:rPr lang="en-US" smtClean="0"/>
-              <a:t>12/6/2020</a:t>
+              <a:t>12/13/2020</a:t>
             </a:fld>
             <a:endParaRPr lang="en-US"/>
           </a:p>
@@ -7548,7 +7548,7 @@
           <a:p>
             <a:fld id="{3C04E684-10F4-4CC3-A0B9-F03AA7BE37CF}" type="datetimeFigureOut">
               <a:rPr lang="en-US" smtClean="0"/>
-              <a:t>12/6/2020</a:t>
+              <a:t>12/13/2020</a:t>
             </a:fld>
             <a:endParaRPr lang="en-US"/>
           </a:p>
@@ -8348,7 +8348,7 @@
           <a:p>
             <a:fld id="{3C04E684-10F4-4CC3-A0B9-F03AA7BE37CF}" type="datetimeFigureOut">
               <a:rPr lang="en-US" smtClean="0"/>
-              <a:t>12/6/2020</a:t>
+              <a:t>12/13/2020</a:t>
             </a:fld>
             <a:endParaRPr lang="en-US"/>
           </a:p>
@@ -9299,7 +9299,7 @@
           <a:p>
             <a:fld id="{3C04E684-10F4-4CC3-A0B9-F03AA7BE37CF}" type="datetimeFigureOut">
               <a:rPr lang="en-US" smtClean="0"/>
-              <a:t>12/6/2020</a:t>
+              <a:t>12/13/2020</a:t>
             </a:fld>
             <a:endParaRPr lang="en-US"/>
           </a:p>
@@ -11648,7 +11648,7 @@
           <a:p>
             <a:fld id="{3C04E684-10F4-4CC3-A0B9-F03AA7BE37CF}" type="datetimeFigureOut">
               <a:rPr lang="en-US" smtClean="0"/>
-              <a:t>12/6/2020</a:t>
+              <a:t>12/13/2020</a:t>
             </a:fld>
             <a:endParaRPr lang="en-US"/>
           </a:p>
@@ -11761,7 +11761,7 @@
           <a:p>
             <a:fld id="{3C04E684-10F4-4CC3-A0B9-F03AA7BE37CF}" type="datetimeFigureOut">
               <a:rPr lang="en-US" smtClean="0"/>
-              <a:t>12/6/2020</a:t>
+              <a:t>12/13/2020</a:t>
             </a:fld>
             <a:endParaRPr lang="en-US"/>
           </a:p>
@@ -12268,7 +12268,7 @@
           <a:p>
             <a:fld id="{3C04E684-10F4-4CC3-A0B9-F03AA7BE37CF}" type="datetimeFigureOut">
               <a:rPr lang="en-US" smtClean="0"/>
-              <a:t>12/6/2020</a:t>
+              <a:t>12/13/2020</a:t>
             </a:fld>
             <a:endParaRPr lang="en-US"/>
           </a:p>
@@ -12450,7 +12450,7 @@
           <a:p>
             <a:fld id="{7332B432-ACDA-4023-A761-2BAB76577B62}" type="datetime1">
               <a:rPr lang="en-US" smtClean="0"/>
-              <a:t>12/6/2020</a:t>
+              <a:t>12/13/2020</a:t>
             </a:fld>
             <a:endParaRPr lang="en-US"/>
           </a:p>
@@ -13741,7 +13741,7 @@
           <a:p>
             <a:fld id="{3C04E684-10F4-4CC3-A0B9-F03AA7BE37CF}" type="datetimeFigureOut">
               <a:rPr lang="en-US" smtClean="0"/>
-              <a:t>12/6/2020</a:t>
+              <a:t>12/13/2020</a:t>
             </a:fld>
             <a:endParaRPr lang="en-US"/>
           </a:p>
@@ -16235,7 +16235,7 @@
           <a:p>
             <a:fld id="{3C04E684-10F4-4CC3-A0B9-F03AA7BE37CF}" type="datetimeFigureOut">
               <a:rPr lang="en-US" smtClean="0"/>
-              <a:t>12/6/2020</a:t>
+              <a:t>12/13/2020</a:t>
             </a:fld>
             <a:endParaRPr lang="en-US"/>
           </a:p>
@@ -16433,7 +16433,7 @@
           <a:p>
             <a:fld id="{3C04E684-10F4-4CC3-A0B9-F03AA7BE37CF}" type="datetimeFigureOut">
               <a:rPr lang="en-US" smtClean="0"/>
-              <a:t>12/6/2020</a:t>
+              <a:t>12/13/2020</a:t>
             </a:fld>
             <a:endParaRPr lang="en-US"/>
           </a:p>
@@ -16641,7 +16641,7 @@
           <a:p>
             <a:fld id="{3C04E684-10F4-4CC3-A0B9-F03AA7BE37CF}" type="datetimeFigureOut">
               <a:rPr lang="en-US" smtClean="0"/>
-              <a:t>12/6/2020</a:t>
+              <a:t>12/13/2020</a:t>
             </a:fld>
             <a:endParaRPr lang="en-US"/>
           </a:p>
@@ -17252,7 +17252,7 @@
           <a:p>
             <a:fld id="{D9C646AA-F36E-4540-911D-FFFC0A0EF24A}" type="datetime1">
               <a:rPr lang="en-US" smtClean="0"/>
-              <a:t>12/6/2020</a:t>
+              <a:t>12/13/2020</a:t>
             </a:fld>
             <a:endParaRPr lang="en-US" dirty="0"/>
           </a:p>
@@ -17572,7 +17572,7 @@
           <a:p>
             <a:fld id="{69186D26-FA5F-4637-B602-B7C2DC34CFD4}" type="datetime1">
               <a:rPr lang="en-US" smtClean="0"/>
-              <a:t>12/6/2020</a:t>
+              <a:t>12/13/2020</a:t>
             </a:fld>
             <a:endParaRPr lang="en-US"/>
           </a:p>
@@ -18007,7 +18007,7 @@
           <a:p>
             <a:fld id="{8A7F15D8-96D1-4781-BC50-CA8A088B2FE4}" type="datetime1">
               <a:rPr lang="en-US" smtClean="0"/>
-              <a:t>12/6/2020</a:t>
+              <a:t>12/13/2020</a:t>
             </a:fld>
             <a:endParaRPr lang="en-US"/>
           </a:p>
@@ -18125,7 +18125,7 @@
           <a:p>
             <a:fld id="{F9A96C99-B8F8-4528-BD05-0E16E943DC09}" type="datetime1">
               <a:rPr lang="en-US" smtClean="0"/>
-              <a:t>12/6/2020</a:t>
+              <a:t>12/13/2020</a:t>
             </a:fld>
             <a:endParaRPr lang="en-US"/>
           </a:p>
@@ -18220,7 +18220,7 @@
           <a:p>
             <a:fld id="{03636942-C211-4B28-8DBD-C953E00AF71B}" type="datetime1">
               <a:rPr lang="en-US" smtClean="0"/>
-              <a:t>12/6/2020</a:t>
+              <a:t>12/13/2020</a:t>
             </a:fld>
             <a:endParaRPr lang="en-US"/>
           </a:p>
@@ -18637,7 +18637,7 @@
           <a:p>
             <a:fld id="{7E8D12A6-918A-48BD-8CB9-CA713993B0EA}" type="datetime1">
               <a:rPr lang="en-US" smtClean="0"/>
-              <a:t>12/6/2020</a:t>
+              <a:t>12/13/2020</a:t>
             </a:fld>
             <a:endParaRPr lang="en-US"/>
           </a:p>
@@ -18899,7 +18899,7 @@
             <a:fld id="{E778CE86-875F-4587-BCF6-FA054AFC0D53}" type="datetime1">
               <a:rPr lang="en-US" smtClean="0"/>
               <a:pPr/>
-              <a:t>12/6/2020</a:t>
+              <a:t>12/13/2020</a:t>
             </a:fld>
             <a:endParaRPr lang="en-US" dirty="0"/>
           </a:p>
@@ -19415,7 +19415,7 @@
           <a:p>
             <a:fld id="{F6FA2B21-3FCD-4721-B95C-427943F61125}" type="datetime1">
               <a:rPr lang="en-US" smtClean="0"/>
-              <a:t>12/6/2020</a:t>
+              <a:t>12/13/2020</a:t>
             </a:fld>
             <a:endParaRPr lang="en-US"/>
           </a:p>
@@ -20037,7 +20037,7 @@
           <a:p>
             <a:fld id="{3C04E684-10F4-4CC3-A0B9-F03AA7BE37CF}" type="datetimeFigureOut">
               <a:rPr lang="en-US" smtClean="0"/>
-              <a:t>12/6/2020</a:t>
+              <a:t>12/13/2020</a:t>
             </a:fld>
             <a:endParaRPr lang="en-US"/>
           </a:p>
@@ -20748,7 +20748,7 @@
                 <a:latin typeface="Times New Roman" panose="02020603050405020304" pitchFamily="18" charset="0"/>
                 <a:cs typeface="Times New Roman" panose="02020603050405020304" pitchFamily="18" charset="0"/>
               </a:rPr>
-              <a:t>Mansapanta</a:t>
+              <a:t>Masapanta</a:t>
             </a:r>
             <a:endParaRPr lang="es-ES" dirty="0">
               <a:latin typeface="Times New Roman" panose="02020603050405020304" pitchFamily="18" charset="0"/>
@@ -21180,8 +21180,8 @@
         </p:nvSpPr>
         <p:spPr>
           <a:xfrm>
-            <a:off x="1066800" y="219456"/>
-            <a:ext cx="10058400" cy="1371600"/>
+            <a:off x="1066800" y="461394"/>
+            <a:ext cx="10058400" cy="1129662"/>
           </a:xfrm>
         </p:spPr>
         <p:txBody>
@@ -21193,7 +21193,7 @@
                 <a:latin typeface="Times New Roman" panose="02020603050405020304" pitchFamily="18" charset="0"/>
                 <a:cs typeface="Times New Roman" panose="02020603050405020304" pitchFamily="18" charset="0"/>
               </a:rPr>
-              <a:t>Introducción</a:t>
+              <a:t>Propuesta</a:t>
             </a:r>
             <a:endParaRPr lang="es-EC" dirty="0">
               <a:latin typeface="Times New Roman" panose="02020603050405020304" pitchFamily="18" charset="0"/>
@@ -21549,7 +21549,7 @@
           <p:cNvPr id="2" name="Título 1">
             <a:extLst>
               <a:ext uri="{FF2B5EF4-FFF2-40B4-BE49-F238E27FC236}">
-                <a16:creationId xmlns:a16="http://schemas.microsoft.com/office/drawing/2014/main" id="{54343709-7C91-426F-872A-8F54F9C070C2}"/>
+                <a16:creationId xmlns:a16="http://schemas.microsoft.com/office/drawing/2014/main" id="{8CFACEF1-4600-458E-A5D8-61EC6DE3DA3E}"/>
               </a:ext>
             </a:extLst>
           </p:cNvPr>
@@ -21562,20 +21562,17 @@
         </p:nvSpPr>
         <p:spPr/>
         <p:txBody>
-          <a:bodyPr>
-            <a:normAutofit/>
-          </a:bodyPr>
+          <a:bodyPr/>
           <a:lstStyle/>
           <a:p>
             <a:r>
-              <a:rPr lang="es-EC" sz="3600" dirty="0">
-                <a:effectLst/>
+              <a:rPr lang="es-ES" dirty="0">
                 <a:latin typeface="Times New Roman" panose="02020603050405020304" pitchFamily="18" charset="0"/>
-                <a:ea typeface="Calibri" panose="020F0502020204030204" pitchFamily="34" charset="0"/>
+                <a:cs typeface="Times New Roman" panose="02020603050405020304" pitchFamily="18" charset="0"/>
               </a:rPr>
-              <a:t>¿Qué podemos hacer para ayudar en minimizar el contagio de covid-19 ?</a:t>
+              <a:t>Objetivos</a:t>
             </a:r>
-            <a:endParaRPr lang="es-EC" sz="8000" dirty="0"/>
+            <a:endParaRPr lang="es-ES" dirty="0"/>
           </a:p>
         </p:txBody>
       </p:sp>
@@ -21584,7 +21581,7 @@
           <p:cNvPr id="3" name="Marcador de contenido 2">
             <a:extLst>
               <a:ext uri="{FF2B5EF4-FFF2-40B4-BE49-F238E27FC236}">
-                <a16:creationId xmlns:a16="http://schemas.microsoft.com/office/drawing/2014/main" id="{0E6B8B27-A979-47EF-A8E9-7F3F1BA6F6E5}"/>
+                <a16:creationId xmlns:a16="http://schemas.microsoft.com/office/drawing/2014/main" id="{001711D2-4B5F-4C1F-BA2F-95D131BA9331}"/>
               </a:ext>
             </a:extLst>
           </p:cNvPr>
@@ -21601,134 +21598,125 @@
           <a:lstStyle/>
           <a:p>
             <a:r>
+              <a:rPr lang="es-ES" b="1" dirty="0">
+                <a:latin typeface="Times New Roman" panose="02020603050405020304" pitchFamily="18" charset="0"/>
+                <a:cs typeface="Times New Roman" panose="02020603050405020304" pitchFamily="18" charset="0"/>
+              </a:rPr>
+              <a:t>Objetivo General:</a:t>
+            </a:r>
+          </a:p>
+          <a:p>
+            <a:pPr lvl="1"/>
+            <a:r>
               <a:rPr lang="es-EC" dirty="0">
-                <a:latin typeface="Times New Roman" panose="02020603050405020304" pitchFamily="18" charset="0"/>
-                <a:ea typeface="Calibri" panose="020F0502020204030204" pitchFamily="34" charset="0"/>
-              </a:rPr>
-              <a:t>R</a:t>
-            </a:r>
-            <a:r>
-              <a:rPr lang="es-EC" sz="1800" dirty="0">
                 <a:effectLst/>
                 <a:latin typeface="Times New Roman" panose="02020603050405020304" pitchFamily="18" charset="0"/>
                 <a:ea typeface="Calibri" panose="020F0502020204030204" pitchFamily="34" charset="0"/>
               </a:rPr>
-              <a:t>espondiendo realizar un proyecto con la estructura de un mercado, donde se podrá encontrar todos los víveres que los clientes o usuarios requieran.</a:t>
+              <a:t>Creación de un sitio web parecido a un mercado que contenga diversos tipos de productos junto con recetas para la preparación de platillos de comida y disponer de entrega a domicilio</a:t>
             </a:r>
           </a:p>
           <a:p>
+            <a:pPr marL="274320" lvl="1" indent="0">
+              <a:buNone/>
+            </a:pPr>
             <a:endParaRPr lang="es-EC" dirty="0">
               <a:latin typeface="Times New Roman" panose="02020603050405020304" pitchFamily="18" charset="0"/>
+              <a:ea typeface="Calibri" panose="020F0502020204030204" pitchFamily="34" charset="0"/>
             </a:endParaRPr>
           </a:p>
           <a:p>
-            <a:pPr lvl="8"/>
+            <a:pPr marL="274320" lvl="1" indent="0">
+              <a:buNone/>
+            </a:pPr>
+            <a:endParaRPr lang="es-EC" dirty="0">
+              <a:effectLst/>
+              <a:latin typeface="Times New Roman" panose="02020603050405020304" pitchFamily="18" charset="0"/>
+              <a:ea typeface="Calibri" panose="020F0502020204030204" pitchFamily="34" charset="0"/>
+            </a:endParaRPr>
+          </a:p>
+          <a:p>
             <a:r>
-              <a:rPr lang="es-EC" dirty="0" err="1"/>
-              <a:t>sadsfsdfdsfdsfdsfdsfsfsfsf</a:t>
+              <a:rPr lang="es-EC" b="1" dirty="0">
+                <a:latin typeface="Times New Roman" panose="02020603050405020304" pitchFamily="18" charset="0"/>
+                <a:ea typeface="Calibri" panose="020F0502020204030204" pitchFamily="34" charset="0"/>
+              </a:rPr>
+              <a:t>Objetivos específicos:</a:t>
             </a:r>
-            <a:endParaRPr lang="es-EC" dirty="0"/>
-          </a:p>
-        </p:txBody>
-      </p:sp>
-      <p:pic>
-        <p:nvPicPr>
-          <p:cNvPr id="3074" name="Picture 2" descr="Grupo de personas con iconos de signo de interrogación | Vector Gratis">
-            <a:extLst>
-              <a:ext uri="{FF2B5EF4-FFF2-40B4-BE49-F238E27FC236}">
-                <a16:creationId xmlns:a16="http://schemas.microsoft.com/office/drawing/2014/main" id="{CAEB0D5C-7B03-41E0-8BF5-657D97593151}"/>
-              </a:ext>
-            </a:extLst>
-          </p:cNvPr>
-          <p:cNvPicPr>
-            <a:picLocks noChangeAspect="1" noChangeArrowheads="1"/>
-          </p:cNvPicPr>
-          <p:nvPr/>
-        </p:nvPicPr>
-        <p:blipFill>
-          <a:blip r:embed="rId2">
-            <a:extLst>
-              <a:ext uri="{28A0092B-C50C-407E-A947-70E740481C1C}">
-                <a14:useLocalDpi xmlns:a14="http://schemas.microsoft.com/office/drawing/2010/main" val="0"/>
-              </a:ext>
-            </a:extLst>
-          </a:blip>
-          <a:srcRect/>
-          <a:stretch>
-            <a:fillRect/>
-          </a:stretch>
-        </p:blipFill>
-        <p:spPr bwMode="auto">
-          <a:xfrm>
-            <a:off x="1788795" y="3040380"/>
-            <a:ext cx="3861963" cy="2807018"/>
-          </a:xfrm>
-          <a:prstGeom prst="rect">
-            <a:avLst/>
-          </a:prstGeom>
-          <a:noFill/>
-          <a:extLst>
-            <a:ext uri="{909E8E84-426E-40DD-AFC4-6F175D3DCCD1}">
-              <a14:hiddenFill xmlns:a14="http://schemas.microsoft.com/office/drawing/2010/main">
-                <a:solidFill>
-                  <a:srgbClr val="FFFFFF"/>
-                </a:solidFill>
-              </a14:hiddenFill>
-            </a:ext>
-          </a:extLst>
-        </p:spPr>
-      </p:pic>
-      <p:sp>
-        <p:nvSpPr>
-          <p:cNvPr id="4" name="CuadroTexto 3">
-            <a:extLst>
-              <a:ext uri="{FF2B5EF4-FFF2-40B4-BE49-F238E27FC236}">
-                <a16:creationId xmlns:a16="http://schemas.microsoft.com/office/drawing/2014/main" id="{5075185F-8242-4850-A6AB-D54089BC311E}"/>
-              </a:ext>
-            </a:extLst>
-          </p:cNvPr>
-          <p:cNvSpPr txBox="1"/>
-          <p:nvPr/>
-        </p:nvSpPr>
-        <p:spPr>
-          <a:xfrm>
-            <a:off x="6096000" y="3289268"/>
-            <a:ext cx="5278755" cy="1477328"/>
-          </a:xfrm>
-          <a:prstGeom prst="rect">
-            <a:avLst/>
-          </a:prstGeom>
-          <a:noFill/>
-        </p:spPr>
-        <p:txBody>
-          <a:bodyPr wrap="square" rtlCol="0">
-            <a:spAutoFit/>
-          </a:bodyPr>
-          <a:lstStyle/>
-          <a:p>
-            <a:pPr marL="285750" indent="-285750">
-              <a:buFont typeface="Times New Roman" panose="02020603050405020304" pitchFamily="18" charset="0"/>
-              <a:buChar char="◦"/>
+          </a:p>
+          <a:p>
+            <a:pPr marL="617220" lvl="1" indent="-342900">
+              <a:buFont typeface="+mj-lt"/>
+              <a:buAutoNum type="arabicPeriod"/>
             </a:pPr>
             <a:r>
-              <a:rPr lang="es-EC" sz="1800" dirty="0">
+              <a:rPr lang="es-EC" dirty="0">
                 <a:effectLst/>
                 <a:latin typeface="Times New Roman" panose="02020603050405020304" pitchFamily="18" charset="0"/>
                 <a:ea typeface="Calibri" panose="020F0502020204030204" pitchFamily="34" charset="0"/>
+                <a:cs typeface="Times New Roman" panose="02020603050405020304" pitchFamily="18" charset="0"/>
               </a:rPr>
-              <a:t> Siendo nuestros clientes potenciales: familias, amas de casa, jóvenes independientes (foráneos), y cualquier persona que quiera ahorrarse la molestia de ir al mercado, dedicado principalmente a las amas de casa y familias.</a:t>
+              <a:t>Comprender las necesidades de los usuarios que desean cocinar sus propios alimentos.</a:t>
             </a:r>
-            <a:endParaRPr lang="es-EC" dirty="0">
-              <a:latin typeface="Times New Roman" panose="02020603050405020304" pitchFamily="18" charset="0"/>
-              <a:cs typeface="Times New Roman" panose="02020603050405020304" pitchFamily="18" charset="0"/>
-            </a:endParaRPr>
+          </a:p>
+          <a:p>
+            <a:pPr marL="617220" lvl="1" indent="-342900">
+              <a:buFont typeface="+mj-lt"/>
+              <a:buAutoNum type="arabicPeriod"/>
+            </a:pPr>
+            <a:r>
+              <a:rPr lang="es-EC" dirty="0">
+                <a:effectLst/>
+                <a:latin typeface="Times New Roman" panose="02020603050405020304" pitchFamily="18" charset="0"/>
+                <a:ea typeface="Calibri" panose="020F0502020204030204" pitchFamily="34" charset="0"/>
+                <a:cs typeface="Times New Roman" panose="02020603050405020304" pitchFamily="18" charset="0"/>
+              </a:rPr>
+              <a:t>Conseguir las recetas de los platillos de comida más populares para los clientes.</a:t>
+            </a:r>
+          </a:p>
+          <a:p>
+            <a:pPr marL="617220" lvl="1" indent="-342900">
+              <a:buFont typeface="+mj-lt"/>
+              <a:buAutoNum type="arabicPeriod"/>
+            </a:pPr>
+            <a:r>
+              <a:rPr lang="es-EC" dirty="0">
+                <a:effectLst/>
+                <a:latin typeface="Times New Roman" panose="02020603050405020304" pitchFamily="18" charset="0"/>
+                <a:ea typeface="Calibri" panose="020F0502020204030204" pitchFamily="34" charset="0"/>
+                <a:cs typeface="Times New Roman" panose="02020603050405020304" pitchFamily="18" charset="0"/>
+              </a:rPr>
+              <a:t>Diseñar una interfaz amigable para cualquier tipo de usuario.</a:t>
+            </a:r>
+          </a:p>
+          <a:p>
+            <a:pPr marL="617220" lvl="1" indent="-342900">
+              <a:spcAft>
+                <a:spcPts val="800"/>
+              </a:spcAft>
+              <a:buFont typeface="+mj-lt"/>
+              <a:buAutoNum type="arabicPeriod"/>
+            </a:pPr>
+            <a:r>
+              <a:rPr lang="es-EC" dirty="0">
+                <a:effectLst/>
+                <a:latin typeface="Times New Roman" panose="02020603050405020304" pitchFamily="18" charset="0"/>
+                <a:ea typeface="Calibri" panose="020F0502020204030204" pitchFamily="34" charset="0"/>
+                <a:cs typeface="Times New Roman" panose="02020603050405020304" pitchFamily="18" charset="0"/>
+              </a:rPr>
+              <a:t>Utilizar colores agradables que no cansen la vista.</a:t>
+            </a:r>
+            <a:endParaRPr lang="es-EC" dirty="0"/>
+          </a:p>
+          <a:p>
+            <a:endParaRPr lang="es-ES" dirty="0"/>
           </a:p>
         </p:txBody>
       </p:sp>
     </p:spTree>
     <p:extLst>
       <p:ext uri="{BB962C8B-B14F-4D97-AF65-F5344CB8AC3E}">
-        <p14:creationId xmlns:p14="http://schemas.microsoft.com/office/powerpoint/2010/main" val="2975474445"/>
+        <p14:creationId xmlns:p14="http://schemas.microsoft.com/office/powerpoint/2010/main" val="3046705457"/>
       </p:ext>
     </p:extLst>
   </p:cSld>
@@ -21739,465 +21727,6 @@
 </file>
 
 <file path=ppt/slides/slide4.xml><?xml version="1.0" encoding="utf-8"?>
-<p:sld xmlns:a="http://schemas.openxmlformats.org/drawingml/2006/main" xmlns:r="http://schemas.openxmlformats.org/officeDocument/2006/relationships" xmlns:p="http://schemas.openxmlformats.org/presentationml/2006/main">
-  <p:cSld>
-    <p:bg>
-      <p:bgPr>
-        <a:gradFill rotWithShape="1">
-          <a:gsLst>
-            <a:gs pos="0">
-              <a:schemeClr val="bg1">
-                <a:tint val="80000"/>
-                <a:shade val="100000"/>
-                <a:satMod val="300000"/>
-              </a:schemeClr>
-            </a:gs>
-            <a:gs pos="100000">
-              <a:schemeClr val="bg1">
-                <a:tint val="100000"/>
-                <a:shade val="30000"/>
-                <a:satMod val="200000"/>
-              </a:schemeClr>
-            </a:gs>
-          </a:gsLst>
-          <a:path path="circle">
-            <a:fillToRect l="50000" t="50000" r="50000" b="50000"/>
-          </a:path>
-        </a:gradFill>
-        <a:effectLst/>
-      </p:bgPr>
-    </p:bg>
-    <p:spTree>
-      <p:nvGrpSpPr>
-        <p:cNvPr id="1" name=""/>
-        <p:cNvGrpSpPr/>
-        <p:nvPr/>
-      </p:nvGrpSpPr>
-      <p:grpSpPr>
-        <a:xfrm>
-          <a:off x="0" y="0"/>
-          <a:ext cx="0" cy="0"/>
-          <a:chOff x="0" y="0"/>
-          <a:chExt cx="0" cy="0"/>
-        </a:xfrm>
-      </p:grpSpPr>
-      <p:sp useBgFill="1">
-        <p:nvSpPr>
-          <p:cNvPr id="8" name="Rectangle 7">
-            <a:extLst>
-              <a:ext uri="{FF2B5EF4-FFF2-40B4-BE49-F238E27FC236}">
-                <a16:creationId xmlns:a16="http://schemas.microsoft.com/office/drawing/2014/main" id="{ED15573D-0E45-4691-B525-471152EC18CD}"/>
-              </a:ext>
-              <a:ext uri="{C183D7F6-B498-43B3-948B-1728B52AA6E4}">
-                <adec:decorative xmlns:adec="http://schemas.microsoft.com/office/drawing/2017/decorative" val="1"/>
-              </a:ext>
-            </a:extLst>
-          </p:cNvPr>
-          <p:cNvSpPr>
-            <a:spLocks noGrp="1" noRot="1" noChangeAspect="1" noMove="1" noResize="1" noEditPoints="1" noAdjustHandles="1" noChangeArrowheads="1" noChangeShapeType="1" noTextEdit="1"/>
-          </p:cNvSpPr>
-          <p:nvPr>
-            <p:extLst>
-              <p:ext uri="{386F3935-93C4-4BCD-93E2-E3B085C9AB24}">
-                <p16:designElem xmlns:p16="http://schemas.microsoft.com/office/powerpoint/2015/main" val="1"/>
-              </p:ext>
-            </p:extLst>
-          </p:nvPr>
-        </p:nvSpPr>
-        <p:spPr>
-          <a:xfrm>
-            <a:off x="0" y="0"/>
-            <a:ext cx="12192000" cy="6858000"/>
-          </a:xfrm>
-          <a:prstGeom prst="rect">
-            <a:avLst/>
-          </a:prstGeom>
-          <a:ln>
-            <a:noFill/>
-          </a:ln>
-        </p:spPr>
-        <p:style>
-          <a:lnRef idx="2">
-            <a:schemeClr val="accent1">
-              <a:shade val="50000"/>
-            </a:schemeClr>
-          </a:lnRef>
-          <a:fillRef idx="1">
-            <a:schemeClr val="accent1"/>
-          </a:fillRef>
-          <a:effectRef idx="0">
-            <a:schemeClr val="accent1"/>
-          </a:effectRef>
-          <a:fontRef idx="minor">
-            <a:schemeClr val="lt1"/>
-          </a:fontRef>
-        </p:style>
-        <p:txBody>
-          <a:bodyPr rtlCol="0" anchor="ctr"/>
-          <a:lstStyle/>
-          <a:p>
-            <a:pPr algn="ctr"/>
-            <a:endParaRPr lang="en-US"/>
-          </a:p>
-        </p:txBody>
-      </p:sp>
-      <p:sp>
-        <p:nvSpPr>
-          <p:cNvPr id="10" name="Rectangle 9">
-            <a:extLst>
-              <a:ext uri="{FF2B5EF4-FFF2-40B4-BE49-F238E27FC236}">
-                <a16:creationId xmlns:a16="http://schemas.microsoft.com/office/drawing/2014/main" id="{9E448559-19A4-4252-8C27-54C1DA906F8A}"/>
-              </a:ext>
-              <a:ext uri="{C183D7F6-B498-43B3-948B-1728B52AA6E4}">
-                <adec:decorative xmlns:adec="http://schemas.microsoft.com/office/drawing/2017/decorative" val="1"/>
-              </a:ext>
-            </a:extLst>
-          </p:cNvPr>
-          <p:cNvSpPr>
-            <a:spLocks noGrp="1" noRot="1" noChangeAspect="1" noMove="1" noResize="1" noEditPoints="1" noAdjustHandles="1" noChangeArrowheads="1" noChangeShapeType="1" noTextEdit="1"/>
-          </p:cNvSpPr>
-          <p:nvPr>
-            <p:extLst>
-              <p:ext uri="{386F3935-93C4-4BCD-93E2-E3B085C9AB24}">
-                <p16:designElem xmlns:p16="http://schemas.microsoft.com/office/powerpoint/2015/main" val="1"/>
-              </p:ext>
-            </p:extLst>
-          </p:nvPr>
-        </p:nvSpPr>
-        <p:spPr>
-          <a:xfrm>
-            <a:off x="234696" y="237744"/>
-            <a:ext cx="4419599" cy="6382512"/>
-          </a:xfrm>
-          <a:prstGeom prst="rect">
-            <a:avLst/>
-          </a:prstGeom>
-          <a:solidFill>
-            <a:schemeClr val="bg1">
-              <a:lumMod val="75000"/>
-              <a:alpha val="60000"/>
-            </a:schemeClr>
-          </a:solidFill>
-          <a:ln w="6350" cap="flat" cmpd="sng" algn="ctr">
-            <a:noFill/>
-            <a:prstDash val="solid"/>
-          </a:ln>
-          <a:effectLst>
-            <a:softEdge rad="0"/>
-          </a:effectLst>
-        </p:spPr>
-      </p:sp>
-      <p:sp>
-        <p:nvSpPr>
-          <p:cNvPr id="12" name="Rectangle 11">
-            <a:extLst>
-              <a:ext uri="{FF2B5EF4-FFF2-40B4-BE49-F238E27FC236}">
-                <a16:creationId xmlns:a16="http://schemas.microsoft.com/office/drawing/2014/main" id="{1B19C35E-4E30-4F1D-9FC2-F2FA6191E453}"/>
-              </a:ext>
-              <a:ext uri="{C183D7F6-B498-43B3-948B-1728B52AA6E4}">
-                <adec:decorative xmlns:adec="http://schemas.microsoft.com/office/drawing/2017/decorative" val="1"/>
-              </a:ext>
-            </a:extLst>
-          </p:cNvPr>
-          <p:cNvSpPr>
-            <a:spLocks noGrp="1" noRot="1" noChangeAspect="1" noMove="1" noResize="1" noEditPoints="1" noAdjustHandles="1" noChangeArrowheads="1" noChangeShapeType="1" noTextEdit="1"/>
-          </p:cNvSpPr>
-          <p:nvPr>
-            <p:extLst>
-              <p:ext uri="{386F3935-93C4-4BCD-93E2-E3B085C9AB24}">
-                <p16:designElem xmlns:p16="http://schemas.microsoft.com/office/powerpoint/2015/main" val="1"/>
-              </p:ext>
-            </p:extLst>
-          </p:nvPr>
-        </p:nvSpPr>
-        <p:spPr>
-          <a:xfrm>
-            <a:off x="464819" y="466344"/>
-            <a:ext cx="3959352" cy="5925312"/>
-          </a:xfrm>
-          <a:prstGeom prst="rect">
-            <a:avLst/>
-          </a:prstGeom>
-          <a:noFill/>
-          <a:ln w="6350" cap="sq" cmpd="sng" algn="ctr">
-            <a:solidFill>
-              <a:schemeClr val="tx1">
-                <a:lumMod val="75000"/>
-                <a:lumOff val="25000"/>
-              </a:schemeClr>
-            </a:solidFill>
-            <a:prstDash val="solid"/>
-            <a:miter lim="800000"/>
-          </a:ln>
-          <a:effectLst/>
-        </p:spPr>
-      </p:sp>
-      <p:sp>
-        <p:nvSpPr>
-          <p:cNvPr id="2" name="Título 1">
-            <a:extLst>
-              <a:ext uri="{FF2B5EF4-FFF2-40B4-BE49-F238E27FC236}">
-                <a16:creationId xmlns:a16="http://schemas.microsoft.com/office/drawing/2014/main" id="{E0181065-71CE-4CF5-A789-D3CB464D387C}"/>
-              </a:ext>
-            </a:extLst>
-          </p:cNvPr>
-          <p:cNvSpPr>
-            <a:spLocks noGrp="1"/>
-          </p:cNvSpPr>
-          <p:nvPr>
-            <p:ph type="title"/>
-          </p:nvPr>
-        </p:nvSpPr>
-        <p:spPr>
-          <a:xfrm>
-            <a:off x="676240" y="875324"/>
-            <a:ext cx="3536510" cy="5093520"/>
-          </a:xfrm>
-        </p:spPr>
-        <p:txBody>
-          <a:bodyPr>
-            <a:normAutofit/>
-          </a:bodyPr>
-          <a:lstStyle/>
-          <a:p>
-            <a:pPr algn="ctr"/>
-            <a:r>
-              <a:rPr lang="es-ES" sz="4400">
-                <a:solidFill>
-                  <a:schemeClr val="tx1"/>
-                </a:solidFill>
-                <a:latin typeface="Times New Roman" panose="02020603050405020304" pitchFamily="18" charset="0"/>
-                <a:cs typeface="Times New Roman" panose="02020603050405020304" pitchFamily="18" charset="0"/>
-              </a:rPr>
-              <a:t>Objetivos</a:t>
-            </a:r>
-            <a:endParaRPr lang="es-EC" sz="4400">
-              <a:solidFill>
-                <a:schemeClr val="tx1"/>
-              </a:solidFill>
-              <a:latin typeface="Times New Roman" panose="02020603050405020304" pitchFamily="18" charset="0"/>
-              <a:cs typeface="Times New Roman" panose="02020603050405020304" pitchFamily="18" charset="0"/>
-            </a:endParaRPr>
-          </a:p>
-        </p:txBody>
-      </p:sp>
-      <p:sp>
-        <p:nvSpPr>
-          <p:cNvPr id="3" name="Marcador de contenido 2">
-            <a:extLst>
-              <a:ext uri="{FF2B5EF4-FFF2-40B4-BE49-F238E27FC236}">
-                <a16:creationId xmlns:a16="http://schemas.microsoft.com/office/drawing/2014/main" id="{4E74A4CA-6CAF-473F-8D87-2CCE3CFF5410}"/>
-              </a:ext>
-            </a:extLst>
-          </p:cNvPr>
-          <p:cNvSpPr>
-            <a:spLocks noGrp="1"/>
-          </p:cNvSpPr>
-          <p:nvPr>
-            <p:ph idx="1"/>
-          </p:nvPr>
-        </p:nvSpPr>
-        <p:spPr>
-          <a:xfrm>
-            <a:off x="5478124" y="559477"/>
-            <a:ext cx="5647076" cy="5475563"/>
-          </a:xfrm>
-        </p:spPr>
-        <p:txBody>
-          <a:bodyPr anchor="ctr">
-            <a:normAutofit/>
-          </a:bodyPr>
-          <a:lstStyle/>
-          <a:p>
-            <a:pPr>
-              <a:lnSpc>
-                <a:spcPct val="90000"/>
-              </a:lnSpc>
-            </a:pPr>
-            <a:r>
-              <a:rPr lang="es-ES" sz="2000" b="1">
-                <a:latin typeface="Times New Roman" panose="02020603050405020304" pitchFamily="18" charset="0"/>
-                <a:cs typeface="Times New Roman" panose="02020603050405020304" pitchFamily="18" charset="0"/>
-              </a:rPr>
-              <a:t>Objetivo General:</a:t>
-            </a:r>
-          </a:p>
-          <a:p>
-            <a:pPr lvl="1">
-              <a:lnSpc>
-                <a:spcPct val="90000"/>
-              </a:lnSpc>
-            </a:pPr>
-            <a:r>
-              <a:rPr lang="es-EC" sz="2000">
-                <a:effectLst/>
-                <a:latin typeface="Times New Roman" panose="02020603050405020304" pitchFamily="18" charset="0"/>
-                <a:ea typeface="Calibri" panose="020F0502020204030204" pitchFamily="34" charset="0"/>
-              </a:rPr>
-              <a:t>Creación de un sitio web parecido a un mercado que contenga diversos tipos de productos junto con recetas para la preparación de platillos de comida y disponer de entrega a domicilio</a:t>
-            </a:r>
-          </a:p>
-          <a:p>
-            <a:pPr marL="274320" lvl="1" indent="0">
-              <a:lnSpc>
-                <a:spcPct val="90000"/>
-              </a:lnSpc>
-              <a:buNone/>
-            </a:pPr>
-            <a:endParaRPr lang="es-EC" sz="2000">
-              <a:latin typeface="Times New Roman" panose="02020603050405020304" pitchFamily="18" charset="0"/>
-              <a:ea typeface="Calibri" panose="020F0502020204030204" pitchFamily="34" charset="0"/>
-            </a:endParaRPr>
-          </a:p>
-          <a:p>
-            <a:pPr marL="274320" lvl="1" indent="0">
-              <a:lnSpc>
-                <a:spcPct val="90000"/>
-              </a:lnSpc>
-              <a:buNone/>
-            </a:pPr>
-            <a:endParaRPr lang="es-EC" sz="2000">
-              <a:effectLst/>
-              <a:latin typeface="Times New Roman" panose="02020603050405020304" pitchFamily="18" charset="0"/>
-              <a:ea typeface="Calibri" panose="020F0502020204030204" pitchFamily="34" charset="0"/>
-            </a:endParaRPr>
-          </a:p>
-          <a:p>
-            <a:pPr>
-              <a:lnSpc>
-                <a:spcPct val="90000"/>
-              </a:lnSpc>
-            </a:pPr>
-            <a:r>
-              <a:rPr lang="es-EC" sz="2000" b="1">
-                <a:latin typeface="Times New Roman" panose="02020603050405020304" pitchFamily="18" charset="0"/>
-                <a:ea typeface="Calibri" panose="020F0502020204030204" pitchFamily="34" charset="0"/>
-              </a:rPr>
-              <a:t>Objetivos específicos:</a:t>
-            </a:r>
-          </a:p>
-          <a:p>
-            <a:pPr marL="617220" lvl="1" indent="-342900">
-              <a:lnSpc>
-                <a:spcPct val="90000"/>
-              </a:lnSpc>
-              <a:buFont typeface="+mj-lt"/>
-              <a:buAutoNum type="arabicPeriod"/>
-            </a:pPr>
-            <a:r>
-              <a:rPr lang="es-EC" sz="2000">
-                <a:effectLst/>
-                <a:latin typeface="Times New Roman" panose="02020603050405020304" pitchFamily="18" charset="0"/>
-                <a:ea typeface="Calibri" panose="020F0502020204030204" pitchFamily="34" charset="0"/>
-                <a:cs typeface="Times New Roman" panose="02020603050405020304" pitchFamily="18" charset="0"/>
-              </a:rPr>
-              <a:t>Comprender las necesidades de los usuarios que desean cocinar sus propios alimentos.</a:t>
-            </a:r>
-          </a:p>
-          <a:p>
-            <a:pPr marL="617220" lvl="1" indent="-342900">
-              <a:lnSpc>
-                <a:spcPct val="90000"/>
-              </a:lnSpc>
-              <a:buFont typeface="+mj-lt"/>
-              <a:buAutoNum type="arabicPeriod"/>
-            </a:pPr>
-            <a:r>
-              <a:rPr lang="es-EC" sz="2000">
-                <a:effectLst/>
-                <a:latin typeface="Times New Roman" panose="02020603050405020304" pitchFamily="18" charset="0"/>
-                <a:ea typeface="Calibri" panose="020F0502020204030204" pitchFamily="34" charset="0"/>
-                <a:cs typeface="Times New Roman" panose="02020603050405020304" pitchFamily="18" charset="0"/>
-              </a:rPr>
-              <a:t>Conseguir las recetas de los platillos de comida más populares para los clientes.</a:t>
-            </a:r>
-          </a:p>
-          <a:p>
-            <a:pPr marL="617220" lvl="1" indent="-342900">
-              <a:lnSpc>
-                <a:spcPct val="90000"/>
-              </a:lnSpc>
-              <a:buFont typeface="+mj-lt"/>
-              <a:buAutoNum type="arabicPeriod"/>
-            </a:pPr>
-            <a:r>
-              <a:rPr lang="es-EC" sz="2000">
-                <a:effectLst/>
-                <a:latin typeface="Times New Roman" panose="02020603050405020304" pitchFamily="18" charset="0"/>
-                <a:ea typeface="Calibri" panose="020F0502020204030204" pitchFamily="34" charset="0"/>
-                <a:cs typeface="Times New Roman" panose="02020603050405020304" pitchFamily="18" charset="0"/>
-              </a:rPr>
-              <a:t>Diseñar una interfaz amigable para cualquier tipo de usuario.</a:t>
-            </a:r>
-          </a:p>
-          <a:p>
-            <a:pPr marL="617220" lvl="1" indent="-342900">
-              <a:lnSpc>
-                <a:spcPct val="90000"/>
-              </a:lnSpc>
-              <a:spcAft>
-                <a:spcPts val="800"/>
-              </a:spcAft>
-              <a:buFont typeface="+mj-lt"/>
-              <a:buAutoNum type="arabicPeriod"/>
-            </a:pPr>
-            <a:r>
-              <a:rPr lang="es-EC" sz="2000">
-                <a:effectLst/>
-                <a:latin typeface="Times New Roman" panose="02020603050405020304" pitchFamily="18" charset="0"/>
-                <a:ea typeface="Calibri" panose="020F0502020204030204" pitchFamily="34" charset="0"/>
-                <a:cs typeface="Times New Roman" panose="02020603050405020304" pitchFamily="18" charset="0"/>
-              </a:rPr>
-              <a:t>Utilizar colores agradables que no cansen la vista.</a:t>
-            </a:r>
-          </a:p>
-          <a:p>
-            <a:pPr lvl="1">
-              <a:lnSpc>
-                <a:spcPct val="90000"/>
-              </a:lnSpc>
-            </a:pPr>
-            <a:endParaRPr lang="es-EC" sz="2000" b="1">
-              <a:effectLst/>
-              <a:latin typeface="Times New Roman" panose="02020603050405020304" pitchFamily="18" charset="0"/>
-              <a:ea typeface="Calibri" panose="020F0502020204030204" pitchFamily="34" charset="0"/>
-            </a:endParaRPr>
-          </a:p>
-          <a:p>
-            <a:pPr lvl="1">
-              <a:lnSpc>
-                <a:spcPct val="90000"/>
-              </a:lnSpc>
-            </a:pPr>
-            <a:endParaRPr lang="es-ES" sz="2000" b="1">
-              <a:latin typeface="Times New Roman" panose="02020603050405020304" pitchFamily="18" charset="0"/>
-              <a:cs typeface="Times New Roman" panose="02020603050405020304" pitchFamily="18" charset="0"/>
-            </a:endParaRPr>
-          </a:p>
-          <a:p>
-            <a:pPr>
-              <a:lnSpc>
-                <a:spcPct val="90000"/>
-              </a:lnSpc>
-            </a:pPr>
-            <a:endParaRPr lang="es-EC" sz="2000"/>
-          </a:p>
-        </p:txBody>
-      </p:sp>
-    </p:spTree>
-    <p:extLst>
-      <p:ext uri="{BB962C8B-B14F-4D97-AF65-F5344CB8AC3E}">
-        <p14:creationId xmlns:p14="http://schemas.microsoft.com/office/powerpoint/2010/main" val="1180313545"/>
-      </p:ext>
-    </p:extLst>
-  </p:cSld>
-  <p:clrMapOvr>
-    <a:overrideClrMapping bg1="dk1" tx1="lt1" bg2="dk2" tx2="lt2" accent1="accent1" accent2="accent2" accent3="accent3" accent4="accent4" accent5="accent5" accent6="accent6" hlink="hlink" folHlink="folHlink"/>
-  </p:clrMapOvr>
-</p:sld>
-</file>
-
-<file path=ppt/slides/slide5.xml><?xml version="1.0" encoding="utf-8"?>
 <p:sld xmlns:a="http://schemas.openxmlformats.org/drawingml/2006/main" xmlns:r="http://schemas.openxmlformats.org/officeDocument/2006/relationships" xmlns:p="http://schemas.openxmlformats.org/presentationml/2006/main">
   <p:cSld>
     <p:bg>
@@ -22426,7 +21955,7 @@
             <p:ph idx="1"/>
             <p:extLst>
               <p:ext uri="{D42A27DB-BD31-4B8C-83A1-F6EECF244321}">
-                <p14:modId xmlns:p14="http://schemas.microsoft.com/office/powerpoint/2010/main" val="208678179"/>
+                <p14:modId xmlns:p14="http://schemas.microsoft.com/office/powerpoint/2010/main" val="2198284073"/>
               </p:ext>
             </p:extLst>
           </p:nvPr>
@@ -22445,6 +21974,585 @@
     <p:extLst>
       <p:ext uri="{BB962C8B-B14F-4D97-AF65-F5344CB8AC3E}">
         <p14:creationId xmlns:p14="http://schemas.microsoft.com/office/powerpoint/2010/main" val="2491871860"/>
+      </p:ext>
+    </p:extLst>
+  </p:cSld>
+  <p:clrMapOvr>
+    <a:masterClrMapping/>
+  </p:clrMapOvr>
+</p:sld>
+</file>
+
+<file path=ppt/slides/slide5.xml><?xml version="1.0" encoding="utf-8"?>
+<p:sld xmlns:a="http://schemas.openxmlformats.org/drawingml/2006/main" xmlns:r="http://schemas.openxmlformats.org/officeDocument/2006/relationships" xmlns:p="http://schemas.openxmlformats.org/presentationml/2006/main">
+  <p:cSld>
+    <p:bg>
+      <p:bgPr>
+        <a:solidFill>
+          <a:schemeClr val="bg1"/>
+        </a:solidFill>
+        <a:effectLst/>
+      </p:bgPr>
+    </p:bg>
+    <p:spTree>
+      <p:nvGrpSpPr>
+        <p:cNvPr id="1" name=""/>
+        <p:cNvGrpSpPr/>
+        <p:nvPr/>
+      </p:nvGrpSpPr>
+      <p:grpSpPr>
+        <a:xfrm>
+          <a:off x="0" y="0"/>
+          <a:ext cx="0" cy="0"/>
+          <a:chOff x="0" y="0"/>
+          <a:chExt cx="0" cy="0"/>
+        </a:xfrm>
+      </p:grpSpPr>
+      <p:sp>
+        <p:nvSpPr>
+          <p:cNvPr id="8" name="Rectangle 7">
+            <a:extLst>
+              <a:ext uri="{FF2B5EF4-FFF2-40B4-BE49-F238E27FC236}">
+                <a16:creationId xmlns:a16="http://schemas.microsoft.com/office/drawing/2014/main" id="{3E25BDA2-3F4D-4B38-90E7-989465ECDDCF}"/>
+              </a:ext>
+              <a:ext uri="{C183D7F6-B498-43B3-948B-1728B52AA6E4}">
+                <adec:decorative xmlns:adec="http://schemas.microsoft.com/office/drawing/2017/decorative" val="1"/>
+              </a:ext>
+            </a:extLst>
+          </p:cNvPr>
+          <p:cNvSpPr>
+            <a:spLocks noGrp="1" noRot="1" noChangeAspect="1" noMove="1" noResize="1" noEditPoints="1" noAdjustHandles="1" noChangeArrowheads="1" noChangeShapeType="1" noTextEdit="1"/>
+          </p:cNvSpPr>
+          <p:nvPr>
+            <p:extLst>
+              <p:ext uri="{386F3935-93C4-4BCD-93E2-E3B085C9AB24}">
+                <p16:designElem xmlns:p16="http://schemas.microsoft.com/office/powerpoint/2015/main" val="1"/>
+              </p:ext>
+            </p:extLst>
+          </p:nvPr>
+        </p:nvSpPr>
+        <p:spPr>
+          <a:xfrm>
+            <a:off x="-1" y="0"/>
+            <a:ext cx="12192001" cy="6858000"/>
+          </a:xfrm>
+          <a:prstGeom prst="rect">
+            <a:avLst/>
+          </a:prstGeom>
+          <a:solidFill>
+            <a:schemeClr val="bg1">
+              <a:lumMod val="85000"/>
+            </a:schemeClr>
+          </a:solidFill>
+          <a:ln>
+            <a:noFill/>
+          </a:ln>
+        </p:spPr>
+        <p:style>
+          <a:lnRef idx="2">
+            <a:schemeClr val="accent1">
+              <a:shade val="50000"/>
+            </a:schemeClr>
+          </a:lnRef>
+          <a:fillRef idx="1">
+            <a:schemeClr val="accent1"/>
+          </a:fillRef>
+          <a:effectRef idx="0">
+            <a:schemeClr val="accent1"/>
+          </a:effectRef>
+          <a:fontRef idx="minor">
+            <a:schemeClr val="lt1"/>
+          </a:fontRef>
+        </p:style>
+        <p:txBody>
+          <a:bodyPr rot="0" spcFirstLastPara="0" vert="horz" wrap="square" lIns="91440" tIns="45720" rIns="91440" bIns="45720" numCol="1" spcCol="0" rtlCol="0" fromWordArt="0" anchor="ctr" anchorCtr="0" forceAA="0" compatLnSpc="1">
+            <a:prstTxWarp prst="textNoShape">
+              <a:avLst/>
+            </a:prstTxWarp>
+            <a:noAutofit/>
+          </a:bodyPr>
+          <a:lstStyle>
+            <a:defPPr>
+              <a:defRPr lang="en-US"/>
+            </a:defPPr>
+            <a:lvl1pPr marL="0" algn="l" defTabSz="914400" rtl="0" eaLnBrk="1" latinLnBrk="0" hangingPunct="1">
+              <a:defRPr sz="1800" kern="1200">
+                <a:solidFill>
+                  <a:schemeClr val="lt1"/>
+                </a:solidFill>
+                <a:latin typeface="+mn-lt"/>
+                <a:ea typeface="+mn-ea"/>
+                <a:cs typeface="+mn-cs"/>
+              </a:defRPr>
+            </a:lvl1pPr>
+            <a:lvl2pPr marL="457200" algn="l" defTabSz="914400" rtl="0" eaLnBrk="1" latinLnBrk="0" hangingPunct="1">
+              <a:defRPr sz="1800" kern="1200">
+                <a:solidFill>
+                  <a:schemeClr val="lt1"/>
+                </a:solidFill>
+                <a:latin typeface="+mn-lt"/>
+                <a:ea typeface="+mn-ea"/>
+                <a:cs typeface="+mn-cs"/>
+              </a:defRPr>
+            </a:lvl2pPr>
+            <a:lvl3pPr marL="914400" algn="l" defTabSz="914400" rtl="0" eaLnBrk="1" latinLnBrk="0" hangingPunct="1">
+              <a:defRPr sz="1800" kern="1200">
+                <a:solidFill>
+                  <a:schemeClr val="lt1"/>
+                </a:solidFill>
+                <a:latin typeface="+mn-lt"/>
+                <a:ea typeface="+mn-ea"/>
+                <a:cs typeface="+mn-cs"/>
+              </a:defRPr>
+            </a:lvl3pPr>
+            <a:lvl4pPr marL="1371600" algn="l" defTabSz="914400" rtl="0" eaLnBrk="1" latinLnBrk="0" hangingPunct="1">
+              <a:defRPr sz="1800" kern="1200">
+                <a:solidFill>
+                  <a:schemeClr val="lt1"/>
+                </a:solidFill>
+                <a:latin typeface="+mn-lt"/>
+                <a:ea typeface="+mn-ea"/>
+                <a:cs typeface="+mn-cs"/>
+              </a:defRPr>
+            </a:lvl4pPr>
+            <a:lvl5pPr marL="1828800" algn="l" defTabSz="914400" rtl="0" eaLnBrk="1" latinLnBrk="0" hangingPunct="1">
+              <a:defRPr sz="1800" kern="1200">
+                <a:solidFill>
+                  <a:schemeClr val="lt1"/>
+                </a:solidFill>
+                <a:latin typeface="+mn-lt"/>
+                <a:ea typeface="+mn-ea"/>
+                <a:cs typeface="+mn-cs"/>
+              </a:defRPr>
+            </a:lvl5pPr>
+            <a:lvl6pPr marL="2286000" algn="l" defTabSz="914400" rtl="0" eaLnBrk="1" latinLnBrk="0" hangingPunct="1">
+              <a:defRPr sz="1800" kern="1200">
+                <a:solidFill>
+                  <a:schemeClr val="lt1"/>
+                </a:solidFill>
+                <a:latin typeface="+mn-lt"/>
+                <a:ea typeface="+mn-ea"/>
+                <a:cs typeface="+mn-cs"/>
+              </a:defRPr>
+            </a:lvl6pPr>
+            <a:lvl7pPr marL="2743200" algn="l" defTabSz="914400" rtl="0" eaLnBrk="1" latinLnBrk="0" hangingPunct="1">
+              <a:defRPr sz="1800" kern="1200">
+                <a:solidFill>
+                  <a:schemeClr val="lt1"/>
+                </a:solidFill>
+                <a:latin typeface="+mn-lt"/>
+                <a:ea typeface="+mn-ea"/>
+                <a:cs typeface="+mn-cs"/>
+              </a:defRPr>
+            </a:lvl7pPr>
+            <a:lvl8pPr marL="3200400" algn="l" defTabSz="914400" rtl="0" eaLnBrk="1" latinLnBrk="0" hangingPunct="1">
+              <a:defRPr sz="1800" kern="1200">
+                <a:solidFill>
+                  <a:schemeClr val="lt1"/>
+                </a:solidFill>
+                <a:latin typeface="+mn-lt"/>
+                <a:ea typeface="+mn-ea"/>
+                <a:cs typeface="+mn-cs"/>
+              </a:defRPr>
+            </a:lvl8pPr>
+            <a:lvl9pPr marL="3657600" algn="l" defTabSz="914400" rtl="0" eaLnBrk="1" latinLnBrk="0" hangingPunct="1">
+              <a:defRPr sz="1800" kern="1200">
+                <a:solidFill>
+                  <a:schemeClr val="lt1"/>
+                </a:solidFill>
+                <a:latin typeface="+mn-lt"/>
+                <a:ea typeface="+mn-ea"/>
+                <a:cs typeface="+mn-cs"/>
+              </a:defRPr>
+            </a:lvl9pPr>
+          </a:lstStyle>
+          <a:p>
+            <a:pPr algn="ctr"/>
+            <a:endParaRPr lang="en-US"/>
+          </a:p>
+        </p:txBody>
+      </p:sp>
+      <p:sp>
+        <p:nvSpPr>
+          <p:cNvPr id="10" name="Rectangle 9">
+            <a:extLst>
+              <a:ext uri="{FF2B5EF4-FFF2-40B4-BE49-F238E27FC236}">
+                <a16:creationId xmlns:a16="http://schemas.microsoft.com/office/drawing/2014/main" id="{BC96869A-A70D-42F7-876F-605CB1718F20}"/>
+              </a:ext>
+              <a:ext uri="{C183D7F6-B498-43B3-948B-1728B52AA6E4}">
+                <adec:decorative xmlns:adec="http://schemas.microsoft.com/office/drawing/2017/decorative" val="1"/>
+              </a:ext>
+            </a:extLst>
+          </p:cNvPr>
+          <p:cNvSpPr>
+            <a:spLocks noGrp="1" noRot="1" noChangeAspect="1" noMove="1" noResize="1" noEditPoints="1" noAdjustHandles="1" noChangeArrowheads="1" noChangeShapeType="1" noTextEdit="1"/>
+          </p:cNvSpPr>
+          <p:nvPr>
+            <p:extLst>
+              <p:ext uri="{386F3935-93C4-4BCD-93E2-E3B085C9AB24}">
+                <p16:designElem xmlns:p16="http://schemas.microsoft.com/office/powerpoint/2015/main" val="1"/>
+              </p:ext>
+            </p:extLst>
+          </p:nvPr>
+        </p:nvSpPr>
+        <p:spPr>
+          <a:xfrm>
+            <a:off x="632108" y="610955"/>
+            <a:ext cx="10927784" cy="5636090"/>
+          </a:xfrm>
+          <a:prstGeom prst="rect">
+            <a:avLst/>
+          </a:prstGeom>
+          <a:solidFill>
+            <a:schemeClr val="bg1"/>
+          </a:solidFill>
+          <a:ln w="6350" cap="flat" cmpd="sng" algn="ctr">
+            <a:noFill/>
+            <a:prstDash val="solid"/>
+          </a:ln>
+          <a:effectLst>
+            <a:outerShdw blurRad="50800" algn="ctr" rotWithShape="0">
+              <a:prstClr val="black">
+                <a:alpha val="66000"/>
+              </a:prstClr>
+            </a:outerShdw>
+            <a:softEdge rad="0"/>
+          </a:effectLst>
+        </p:spPr>
+      </p:sp>
+      <p:sp useBgFill="1">
+        <p:nvSpPr>
+          <p:cNvPr id="12" name="Rectangle 11">
+            <a:extLst>
+              <a:ext uri="{FF2B5EF4-FFF2-40B4-BE49-F238E27FC236}">
+                <a16:creationId xmlns:a16="http://schemas.microsoft.com/office/drawing/2014/main" id="{6CD407CC-EF5C-486F-9A14-7F681F986D17}"/>
+              </a:ext>
+              <a:ext uri="{C183D7F6-B498-43B3-948B-1728B52AA6E4}">
+                <adec:decorative xmlns:adec="http://schemas.microsoft.com/office/drawing/2017/decorative" val="1"/>
+              </a:ext>
+            </a:extLst>
+          </p:cNvPr>
+          <p:cNvSpPr>
+            <a:spLocks noGrp="1" noRot="1" noChangeAspect="1" noMove="1" noResize="1" noEditPoints="1" noAdjustHandles="1" noChangeArrowheads="1" noChangeShapeType="1" noTextEdit="1"/>
+          </p:cNvSpPr>
+          <p:nvPr>
+            <p:extLst>
+              <p:ext uri="{386F3935-93C4-4BCD-93E2-E3B085C9AB24}">
+                <p16:designElem xmlns:p16="http://schemas.microsoft.com/office/powerpoint/2015/main" val="1"/>
+              </p:ext>
+            </p:extLst>
+          </p:nvPr>
+        </p:nvSpPr>
+        <p:spPr>
+          <a:xfrm>
+            <a:off x="797052" y="777240"/>
+            <a:ext cx="10597896" cy="5303520"/>
+          </a:xfrm>
+          <a:prstGeom prst="rect">
+            <a:avLst/>
+          </a:prstGeom>
+          <a:ln w="6350" cap="sq" cmpd="sng" algn="ctr">
+            <a:solidFill>
+              <a:schemeClr val="tx1">
+                <a:lumMod val="75000"/>
+                <a:lumOff val="25000"/>
+              </a:schemeClr>
+            </a:solidFill>
+            <a:prstDash val="solid"/>
+            <a:miter lim="800000"/>
+          </a:ln>
+          <a:effectLst/>
+        </p:spPr>
+      </p:sp>
+      <p:sp>
+        <p:nvSpPr>
+          <p:cNvPr id="2" name="Título 1">
+            <a:extLst>
+              <a:ext uri="{FF2B5EF4-FFF2-40B4-BE49-F238E27FC236}">
+                <a16:creationId xmlns:a16="http://schemas.microsoft.com/office/drawing/2014/main" id="{A4E7D747-D3E3-4CE8-AFB5-8A4DD176EDAD}"/>
+              </a:ext>
+            </a:extLst>
+          </p:cNvPr>
+          <p:cNvSpPr>
+            <a:spLocks noGrp="1"/>
+          </p:cNvSpPr>
+          <p:nvPr>
+            <p:ph type="title"/>
+          </p:nvPr>
+        </p:nvSpPr>
+        <p:spPr>
+          <a:xfrm>
+            <a:off x="1192625" y="1420706"/>
+            <a:ext cx="3466540" cy="4016587"/>
+          </a:xfrm>
+        </p:spPr>
+        <p:txBody>
+          <a:bodyPr>
+            <a:normAutofit/>
+          </a:bodyPr>
+          <a:lstStyle/>
+          <a:p>
+            <a:r>
+              <a:rPr lang="es-ES" sz="3300" dirty="0"/>
+              <a:t>Fundamentación teórica</a:t>
+            </a:r>
+            <a:endParaRPr lang="es-EC" sz="3300" dirty="0"/>
+          </a:p>
+        </p:txBody>
+      </p:sp>
+      <p:cxnSp>
+        <p:nvCxnSpPr>
+          <p:cNvPr id="14" name="Straight Connector 13">
+            <a:extLst>
+              <a:ext uri="{FF2B5EF4-FFF2-40B4-BE49-F238E27FC236}">
+                <a16:creationId xmlns:a16="http://schemas.microsoft.com/office/drawing/2014/main" id="{0DD76B5F-5BAA-48C6-9065-9AEF15D30B4E}"/>
+              </a:ext>
+              <a:ext uri="{C183D7F6-B498-43B3-948B-1728B52AA6E4}">
+                <adec:decorative xmlns:adec="http://schemas.microsoft.com/office/drawing/2017/decorative" val="1"/>
+              </a:ext>
+            </a:extLst>
+          </p:cNvPr>
+          <p:cNvCxnSpPr>
+            <a:cxnSpLocks noGrp="1" noRot="1" noChangeAspect="1" noMove="1" noResize="1" noEditPoints="1" noAdjustHandles="1" noChangeArrowheads="1" noChangeShapeType="1"/>
+          </p:cNvCxnSpPr>
+          <p:nvPr>
+            <p:extLst>
+              <p:ext uri="{386F3935-93C4-4BCD-93E2-E3B085C9AB24}">
+                <p16:designElem xmlns:p16="http://schemas.microsoft.com/office/powerpoint/2015/main" val="1"/>
+              </p:ext>
+            </p:extLst>
+          </p:nvPr>
+        </p:nvCxnSpPr>
+        <p:spPr>
+          <a:xfrm>
+            <a:off x="4986269" y="2057401"/>
+            <a:ext cx="0" cy="2743200"/>
+          </a:xfrm>
+          <a:prstGeom prst="line">
+            <a:avLst/>
+          </a:prstGeom>
+          <a:ln w="15875">
+            <a:solidFill>
+              <a:schemeClr val="tx1">
+                <a:lumMod val="75000"/>
+                <a:lumOff val="25000"/>
+              </a:schemeClr>
+            </a:solidFill>
+          </a:ln>
+        </p:spPr>
+        <p:style>
+          <a:lnRef idx="1">
+            <a:schemeClr val="accent1"/>
+          </a:lnRef>
+          <a:fillRef idx="0">
+            <a:schemeClr val="accent1"/>
+          </a:fillRef>
+          <a:effectRef idx="0">
+            <a:schemeClr val="accent1"/>
+          </a:effectRef>
+          <a:fontRef idx="minor">
+            <a:schemeClr val="tx1"/>
+          </a:fontRef>
+        </p:style>
+      </p:cxnSp>
+      <p:sp>
+        <p:nvSpPr>
+          <p:cNvPr id="3" name="Marcador de contenido 2">
+            <a:extLst>
+              <a:ext uri="{FF2B5EF4-FFF2-40B4-BE49-F238E27FC236}">
+                <a16:creationId xmlns:a16="http://schemas.microsoft.com/office/drawing/2014/main" id="{9B7F918B-F971-45A4-9B63-19FB26FE700F}"/>
+              </a:ext>
+            </a:extLst>
+          </p:cNvPr>
+          <p:cNvSpPr>
+            <a:spLocks noGrp="1"/>
+          </p:cNvSpPr>
+          <p:nvPr>
+            <p:ph idx="1"/>
+          </p:nvPr>
+        </p:nvSpPr>
+        <p:spPr>
+          <a:xfrm>
+            <a:off x="5236723" y="1420706"/>
+            <a:ext cx="5514758" cy="4016587"/>
+          </a:xfrm>
+        </p:spPr>
+        <p:txBody>
+          <a:bodyPr anchor="ctr">
+            <a:normAutofit/>
+          </a:bodyPr>
+          <a:lstStyle/>
+          <a:p>
+            <a:r>
+              <a:rPr lang="es-ES" dirty="0">
+                <a:solidFill>
+                  <a:schemeClr val="tx1">
+                    <a:lumMod val="75000"/>
+                    <a:lumOff val="25000"/>
+                  </a:schemeClr>
+                </a:solidFill>
+              </a:rPr>
+              <a:t>Visual </a:t>
+            </a:r>
+            <a:r>
+              <a:rPr lang="es-ES" dirty="0" err="1">
+                <a:solidFill>
+                  <a:schemeClr val="tx1">
+                    <a:lumMod val="75000"/>
+                    <a:lumOff val="25000"/>
+                  </a:schemeClr>
+                </a:solidFill>
+              </a:rPr>
+              <a:t>Code</a:t>
+            </a:r>
+            <a:r>
+              <a:rPr lang="es-ES" dirty="0">
+                <a:solidFill>
+                  <a:schemeClr val="tx1">
+                    <a:lumMod val="75000"/>
+                    <a:lumOff val="25000"/>
+                  </a:schemeClr>
+                </a:solidFill>
+              </a:rPr>
+              <a:t> v1.51</a:t>
+            </a:r>
+          </a:p>
+          <a:p>
+            <a:r>
+              <a:rPr lang="es-ES" dirty="0">
+                <a:solidFill>
+                  <a:schemeClr val="tx1">
+                    <a:lumMod val="75000"/>
+                    <a:lumOff val="25000"/>
+                  </a:schemeClr>
+                </a:solidFill>
+              </a:rPr>
+              <a:t>Laravel v6.0 (eventos, </a:t>
+            </a:r>
+            <a:r>
+              <a:rPr lang="es-ES" dirty="0" err="1">
+                <a:solidFill>
+                  <a:schemeClr val="tx1">
+                    <a:lumMod val="75000"/>
+                    <a:lumOff val="25000"/>
+                  </a:schemeClr>
+                </a:solidFill>
+              </a:rPr>
+              <a:t>listener</a:t>
+            </a:r>
+            <a:r>
+              <a:rPr lang="es-ES" dirty="0">
+                <a:solidFill>
+                  <a:schemeClr val="tx1">
+                    <a:lumMod val="75000"/>
+                    <a:lumOff val="25000"/>
+                  </a:schemeClr>
+                </a:solidFill>
+              </a:rPr>
+              <a:t>, </a:t>
+            </a:r>
+            <a:r>
+              <a:rPr lang="es-ES" dirty="0" err="1">
+                <a:solidFill>
+                  <a:schemeClr val="tx1">
+                    <a:lumMod val="75000"/>
+                    <a:lumOff val="25000"/>
+                  </a:schemeClr>
+                </a:solidFill>
+              </a:rPr>
+              <a:t>pusher</a:t>
+            </a:r>
+            <a:r>
+              <a:rPr lang="es-ES" dirty="0">
+                <a:solidFill>
+                  <a:schemeClr val="tx1">
+                    <a:lumMod val="75000"/>
+                    <a:lumOff val="25000"/>
+                  </a:schemeClr>
+                </a:solidFill>
+              </a:rPr>
+              <a:t>)</a:t>
+            </a:r>
+          </a:p>
+          <a:p>
+            <a:r>
+              <a:rPr lang="es-ES" dirty="0">
+                <a:solidFill>
+                  <a:schemeClr val="tx1">
+                    <a:lumMod val="75000"/>
+                    <a:lumOff val="25000"/>
+                  </a:schemeClr>
+                </a:solidFill>
+              </a:rPr>
+              <a:t>PHP v7.4.5</a:t>
+            </a:r>
+          </a:p>
+          <a:p>
+            <a:r>
+              <a:rPr lang="es-ES" dirty="0">
+                <a:solidFill>
+                  <a:schemeClr val="tx1">
+                    <a:lumMod val="75000"/>
+                    <a:lumOff val="25000"/>
+                  </a:schemeClr>
+                </a:solidFill>
+              </a:rPr>
+              <a:t>Vue.js v2.5.17</a:t>
+            </a:r>
+          </a:p>
+          <a:p>
+            <a:r>
+              <a:rPr lang="es-ES" dirty="0">
+                <a:solidFill>
+                  <a:schemeClr val="tx1">
+                    <a:lumMod val="75000"/>
+                    <a:lumOff val="25000"/>
+                  </a:schemeClr>
+                </a:solidFill>
+              </a:rPr>
+              <a:t>Bootstrap v4.0</a:t>
+            </a:r>
+          </a:p>
+          <a:p>
+            <a:r>
+              <a:rPr lang="es-ES" dirty="0" err="1">
+                <a:solidFill>
+                  <a:schemeClr val="tx1">
+                    <a:lumMod val="75000"/>
+                    <a:lumOff val="25000"/>
+                  </a:schemeClr>
+                </a:solidFill>
+              </a:rPr>
+              <a:t>Altiria</a:t>
+            </a:r>
+            <a:r>
+              <a:rPr lang="es-ES" dirty="0">
+                <a:solidFill>
+                  <a:schemeClr val="tx1">
+                    <a:lumMod val="75000"/>
+                    <a:lumOff val="25000"/>
+                  </a:schemeClr>
+                </a:solidFill>
+              </a:rPr>
+              <a:t> v2.3 (API)</a:t>
+            </a:r>
+          </a:p>
+          <a:p>
+            <a:endParaRPr lang="es-ES" dirty="0">
+              <a:solidFill>
+                <a:schemeClr val="tx1">
+                  <a:lumMod val="75000"/>
+                  <a:lumOff val="25000"/>
+                </a:schemeClr>
+              </a:solidFill>
+            </a:endParaRPr>
+          </a:p>
+        </p:txBody>
+      </p:sp>
+    </p:spTree>
+    <p:extLst>
+      <p:ext uri="{BB962C8B-B14F-4D97-AF65-F5344CB8AC3E}">
+        <p14:creationId xmlns:p14="http://schemas.microsoft.com/office/powerpoint/2010/main" val="3301725920"/>
       </p:ext>
     </p:extLst>
   </p:cSld>
@@ -22740,7 +22848,7 @@
           <p:cNvPr id="2" name="Título 1">
             <a:extLst>
               <a:ext uri="{FF2B5EF4-FFF2-40B4-BE49-F238E27FC236}">
-                <a16:creationId xmlns:a16="http://schemas.microsoft.com/office/drawing/2014/main" id="{A4E7D747-D3E3-4CE8-AFB5-8A4DD176EDAD}"/>
+                <a16:creationId xmlns:a16="http://schemas.microsoft.com/office/drawing/2014/main" id="{6B940AC0-83C0-44AE-9950-D9C1BF187A95}"/>
               </a:ext>
             </a:extLst>
           </p:cNvPr>
@@ -22764,10 +22872,10 @@
           <a:lstStyle/>
           <a:p>
             <a:r>
-              <a:rPr lang="es-ES" sz="3300"/>
-              <a:t>Fundamentación teórica</a:t>
+              <a:rPr lang="es-ES" sz="3600"/>
+              <a:t>Altiria</a:t>
             </a:r>
-            <a:endParaRPr lang="es-EC" sz="3300"/>
+            <a:endParaRPr lang="es-EC" sz="3600"/>
           </a:p>
         </p:txBody>
       </p:sp>
@@ -22831,7 +22939,7 @@
           <p:cNvPr id="3" name="Marcador de contenido 2">
             <a:extLst>
               <a:ext uri="{FF2B5EF4-FFF2-40B4-BE49-F238E27FC236}">
-                <a16:creationId xmlns:a16="http://schemas.microsoft.com/office/drawing/2014/main" id="{9B7F918B-F971-45A4-9B63-19FB26FE700F}"/>
+                <a16:creationId xmlns:a16="http://schemas.microsoft.com/office/drawing/2014/main" id="{0FB313E3-9E1D-4A92-AE65-C28F182FB329}"/>
               </a:ext>
             </a:extLst>
           </p:cNvPr>
@@ -22855,7 +22963,7 @@
           <a:lstStyle/>
           <a:p>
             <a:r>
-              <a:rPr lang="es-ES">
+              <a:rPr lang="es-ES" dirty="0">
                 <a:solidFill>
                   <a:schemeClr val="tx1">
                     <a:lumMod val="75000"/>
@@ -22863,12 +22971,12 @@
                   </a:schemeClr>
                 </a:solidFill>
               </a:rPr>
-              <a:t>Visual Code</a:t>
+              <a:t>Empresa española fundad en 2002</a:t>
             </a:r>
           </a:p>
           <a:p>
             <a:r>
-              <a:rPr lang="es-ES">
+              <a:rPr lang="es-ES" dirty="0">
                 <a:solidFill>
                   <a:schemeClr val="tx1">
                     <a:lumMod val="75000"/>
@@ -22876,12 +22984,12 @@
                   </a:schemeClr>
                 </a:solidFill>
               </a:rPr>
-              <a:t>Laravel (eventos, listener, pusher)</a:t>
+              <a:t>Es el proveedor de referencias de servicios de SMS</a:t>
             </a:r>
           </a:p>
           <a:p>
             <a:r>
-              <a:rPr lang="es-ES">
+              <a:rPr lang="es-ES" dirty="0">
                 <a:solidFill>
                   <a:schemeClr val="tx1">
                     <a:lumMod val="75000"/>
@@ -22889,12 +22997,12 @@
                   </a:schemeClr>
                 </a:solidFill>
               </a:rPr>
-              <a:t>PHP</a:t>
+              <a:t>Operadora de telecomunicaciones inscrita en la Comisión Nacional de los Mercados y la Competencia que ofrece servicios de envió y recepción.</a:t>
             </a:r>
           </a:p>
           <a:p>
             <a:r>
-              <a:rPr lang="es-ES">
+              <a:rPr lang="es-ES" dirty="0">
                 <a:solidFill>
                   <a:schemeClr val="tx1">
                     <a:lumMod val="75000"/>
@@ -22902,37 +23010,11 @@
                   </a:schemeClr>
                 </a:solidFill>
               </a:rPr>
-              <a:t>Vuejs</a:t>
+              <a:t>Ofrece a sus clientes herramientas y soluciones tanto para clientes o empleados.</a:t>
             </a:r>
           </a:p>
           <a:p>
-            <a:r>
-              <a:rPr lang="es-ES">
-                <a:solidFill>
-                  <a:schemeClr val="tx1">
-                    <a:lumMod val="75000"/>
-                    <a:lumOff val="25000"/>
-                  </a:schemeClr>
-                </a:solidFill>
-              </a:rPr>
-              <a:t>Bootstrap</a:t>
-            </a:r>
-          </a:p>
-          <a:p>
-            <a:r>
-              <a:rPr lang="es-ES">
-                <a:solidFill>
-                  <a:schemeClr val="tx1">
-                    <a:lumMod val="75000"/>
-                    <a:lumOff val="25000"/>
-                  </a:schemeClr>
-                </a:solidFill>
-              </a:rPr>
-              <a:t>Altiria</a:t>
-            </a:r>
-          </a:p>
-          <a:p>
-            <a:endParaRPr lang="es-ES">
+            <a:endParaRPr lang="es-ES" dirty="0">
               <a:solidFill>
                 <a:schemeClr val="tx1">
                   <a:lumMod val="75000"/>
@@ -22941,12 +23023,22 @@
               </a:solidFill>
             </a:endParaRPr>
           </a:p>
+          <a:p>
+            <a:endParaRPr lang="es-EC" dirty="0">
+              <a:solidFill>
+                <a:schemeClr val="tx1">
+                  <a:lumMod val="75000"/>
+                  <a:lumOff val="25000"/>
+                </a:schemeClr>
+              </a:solidFill>
+            </a:endParaRPr>
+          </a:p>
         </p:txBody>
       </p:sp>
     </p:spTree>
     <p:extLst>
       <p:ext uri="{BB962C8B-B14F-4D97-AF65-F5344CB8AC3E}">
-        <p14:creationId xmlns:p14="http://schemas.microsoft.com/office/powerpoint/2010/main" val="3301725920"/>
+        <p14:creationId xmlns:p14="http://schemas.microsoft.com/office/powerpoint/2010/main" val="1027124808"/>
       </p:ext>
     </p:extLst>
   </p:cSld>
@@ -22959,14 +23051,6 @@
 <file path=ppt/slides/slide7.xml><?xml version="1.0" encoding="utf-8"?>
 <p:sld xmlns:a="http://schemas.openxmlformats.org/drawingml/2006/main" xmlns:r="http://schemas.openxmlformats.org/officeDocument/2006/relationships" xmlns:p="http://schemas.openxmlformats.org/presentationml/2006/main">
   <p:cSld>
-    <p:bg>
-      <p:bgPr>
-        <a:solidFill>
-          <a:schemeClr val="bg1"/>
-        </a:solidFill>
-        <a:effectLst/>
-      </p:bgPr>
-    </p:bg>
     <p:spTree>
       <p:nvGrpSpPr>
         <p:cNvPr id="1" name=""/>
@@ -22986,7 +23070,7 @@
           <p:cNvPr id="2" name="Título 1">
             <a:extLst>
               <a:ext uri="{FF2B5EF4-FFF2-40B4-BE49-F238E27FC236}">
-                <a16:creationId xmlns:a16="http://schemas.microsoft.com/office/drawing/2014/main" id="{9A3F1DB1-35EA-4CA1-A98B-6B2589183B7A}"/>
+                <a16:creationId xmlns:a16="http://schemas.microsoft.com/office/drawing/2014/main" id="{9A7D66D3-6249-40DE-BA12-49067D60DA6D}"/>
               </a:ext>
             </a:extLst>
           </p:cNvPr>
@@ -22997,156 +23081,24 @@
             <p:ph type="title"/>
           </p:nvPr>
         </p:nvSpPr>
-        <p:spPr>
-          <a:xfrm>
-            <a:off x="6579450" y="727627"/>
-            <a:ext cx="4957553" cy="1645920"/>
-          </a:xfrm>
-        </p:spPr>
+        <p:spPr/>
         <p:txBody>
-          <a:bodyPr>
-            <a:normAutofit/>
-          </a:bodyPr>
+          <a:bodyPr/>
           <a:lstStyle/>
           <a:p>
             <a:r>
               <a:rPr lang="es-ES" dirty="0"/>
-              <a:t>Metodología Investigativa</a:t>
+              <a:t>Conclusiones y Recomendaciones</a:t>
             </a:r>
-            <a:endParaRPr lang="es-EC" dirty="0"/>
           </a:p>
         </p:txBody>
       </p:sp>
       <p:sp>
         <p:nvSpPr>
-          <p:cNvPr id="10" name="Rectangle 9">
+          <p:cNvPr id="3" name="Marcador de texto 2">
             <a:extLst>
               <a:ext uri="{FF2B5EF4-FFF2-40B4-BE49-F238E27FC236}">
-                <a16:creationId xmlns:a16="http://schemas.microsoft.com/office/drawing/2014/main" id="{0BBB6B01-5B73-410C-B70E-8CF2FA470D11}"/>
-              </a:ext>
-              <a:ext uri="{C183D7F6-B498-43B3-948B-1728B52AA6E4}">
-                <adec:decorative xmlns:adec="http://schemas.microsoft.com/office/drawing/2017/decorative" val="1"/>
-              </a:ext>
-            </a:extLst>
-          </p:cNvPr>
-          <p:cNvSpPr>
-            <a:spLocks noGrp="1" noRot="1" noChangeAspect="1" noMove="1" noResize="1" noEditPoints="1" noAdjustHandles="1" noChangeArrowheads="1" noChangeShapeType="1" noTextEdit="1"/>
-          </p:cNvSpPr>
-          <p:nvPr>
-            <p:extLst>
-              <p:ext uri="{386F3935-93C4-4BCD-93E2-E3B085C9AB24}">
-                <p16:designElem xmlns:p16="http://schemas.microsoft.com/office/powerpoint/2015/main" val="1"/>
-              </p:ext>
-            </p:extLst>
-          </p:nvPr>
-        </p:nvSpPr>
-        <p:spPr>
-          <a:xfrm>
-            <a:off x="728836" y="721224"/>
-            <a:ext cx="5367164" cy="5415552"/>
-          </a:xfrm>
-          <a:prstGeom prst="rect">
-            <a:avLst/>
-          </a:prstGeom>
-          <a:solidFill>
-            <a:srgbClr val="FFFFFF"/>
-          </a:solidFill>
-          <a:ln w="6350" cap="flat" cmpd="sng" algn="ctr">
-            <a:noFill/>
-            <a:prstDash val="solid"/>
-          </a:ln>
-          <a:effectLst>
-            <a:softEdge rad="0"/>
-          </a:effectLst>
-        </p:spPr>
-      </p:sp>
-      <p:sp>
-        <p:nvSpPr>
-          <p:cNvPr id="12" name="Rectangle 11">
-            <a:extLst>
-              <a:ext uri="{FF2B5EF4-FFF2-40B4-BE49-F238E27FC236}">
-                <a16:creationId xmlns:a16="http://schemas.microsoft.com/office/drawing/2014/main" id="{8712F587-12D0-435C-8E3F-F44C36EE71B8}"/>
-              </a:ext>
-              <a:ext uri="{C183D7F6-B498-43B3-948B-1728B52AA6E4}">
-                <adec:decorative xmlns:adec="http://schemas.microsoft.com/office/drawing/2017/decorative" val="1"/>
-              </a:ext>
-            </a:extLst>
-          </p:cNvPr>
-          <p:cNvSpPr>
-            <a:spLocks noGrp="1" noRot="1" noChangeAspect="1" noMove="1" noResize="1" noEditPoints="1" noAdjustHandles="1" noChangeArrowheads="1" noChangeShapeType="1" noTextEdit="1"/>
-          </p:cNvSpPr>
-          <p:nvPr>
-            <p:extLst>
-              <p:ext uri="{386F3935-93C4-4BCD-93E2-E3B085C9AB24}">
-                <p16:designElem xmlns:p16="http://schemas.microsoft.com/office/powerpoint/2015/main" val="1"/>
-              </p:ext>
-            </p:extLst>
-          </p:nvPr>
-        </p:nvSpPr>
-        <p:spPr>
-          <a:xfrm>
-            <a:off x="885217" y="892220"/>
-            <a:ext cx="5054517" cy="5097085"/>
-          </a:xfrm>
-          <a:prstGeom prst="rect">
-            <a:avLst/>
-          </a:prstGeom>
-          <a:noFill/>
-          <a:ln w="6350" cap="sq" cmpd="sng" algn="ctr">
-            <a:solidFill>
-              <a:srgbClr val="404040"/>
-            </a:solidFill>
-            <a:prstDash val="solid"/>
-            <a:miter lim="800000"/>
-          </a:ln>
-          <a:effectLst/>
-        </p:spPr>
-      </p:sp>
-      <p:pic>
-        <p:nvPicPr>
-          <p:cNvPr id="7" name="Graphic 6" descr="Bar Graph with Upward Trend">
-            <a:extLst>
-              <a:ext uri="{FF2B5EF4-FFF2-40B4-BE49-F238E27FC236}">
-                <a16:creationId xmlns:a16="http://schemas.microsoft.com/office/drawing/2014/main" id="{669B7C69-79FC-4E06-8C76-7A28F3D6E4E6}"/>
-              </a:ext>
-            </a:extLst>
-          </p:cNvPr>
-          <p:cNvPicPr>
-            <a:picLocks noChangeAspect="1"/>
-          </p:cNvPicPr>
-          <p:nvPr/>
-        </p:nvPicPr>
-        <p:blipFill>
-          <a:blip r:embed="rId2">
-            <a:extLst>
-              <a:ext uri="{28A0092B-C50C-407E-A947-70E740481C1C}">
-                <a14:useLocalDpi xmlns:a14="http://schemas.microsoft.com/office/drawing/2010/main" val="0"/>
-              </a:ext>
-              <a:ext uri="{96DAC541-7B7A-43D3-8B79-37D633B846F1}">
-                <asvg:svgBlip xmlns:asvg="http://schemas.microsoft.com/office/drawing/2016/SVG/main" r:embed="rId3"/>
-              </a:ext>
-            </a:extLst>
-          </a:blip>
-          <a:stretch>
-            <a:fillRect/>
-          </a:stretch>
-        </p:blipFill>
-        <p:spPr>
-          <a:xfrm>
-            <a:off x="1205256" y="1230863"/>
-            <a:ext cx="4414438" cy="4414438"/>
-          </a:xfrm>
-          <a:prstGeom prst="rect">
-            <a:avLst/>
-          </a:prstGeom>
-        </p:spPr>
-      </p:pic>
-      <p:sp>
-        <p:nvSpPr>
-          <p:cNvPr id="3" name="Marcador de contenido 2">
-            <a:extLst>
-              <a:ext uri="{FF2B5EF4-FFF2-40B4-BE49-F238E27FC236}">
-                <a16:creationId xmlns:a16="http://schemas.microsoft.com/office/drawing/2014/main" id="{4E578962-1132-4965-9BC8-00184B18D4E8}"/>
+                <a16:creationId xmlns:a16="http://schemas.microsoft.com/office/drawing/2014/main" id="{86042C12-00EB-47DB-8027-F05BE82DF15C}"/>
               </a:ext>
             </a:extLst>
           </p:cNvPr>
@@ -23154,60 +23106,121 @@
             <a:spLocks noGrp="1"/>
           </p:cNvSpPr>
           <p:nvPr>
-            <p:ph idx="1"/>
+            <p:ph type="body" idx="1"/>
           </p:nvPr>
         </p:nvSpPr>
-        <p:spPr>
-          <a:xfrm>
-            <a:off x="6579450" y="2538919"/>
-            <a:ext cx="4957554" cy="3496120"/>
-          </a:xfrm>
-        </p:spPr>
+        <p:spPr/>
         <p:txBody>
-          <a:bodyPr>
-            <a:normAutofit/>
-          </a:bodyPr>
+          <a:bodyPr/>
           <a:lstStyle/>
           <a:p>
             <a:r>
               <a:rPr lang="es-ES" dirty="0"/>
-              <a:t>Encaminado a resolver el numero de personas en los mercados para evitar aglomeraciones</a:t>
+              <a:t>Conclusiones</a:t>
             </a:r>
           </a:p>
+        </p:txBody>
+      </p:sp>
+      <p:sp>
+        <p:nvSpPr>
+          <p:cNvPr id="4" name="Marcador de contenido 3">
+            <a:extLst>
+              <a:ext uri="{FF2B5EF4-FFF2-40B4-BE49-F238E27FC236}">
+                <a16:creationId xmlns:a16="http://schemas.microsoft.com/office/drawing/2014/main" id="{AA450450-49A8-4451-A3BE-F044B2A53F7D}"/>
+              </a:ext>
+            </a:extLst>
+          </p:cNvPr>
+          <p:cNvSpPr>
+            <a:spLocks noGrp="1"/>
+          </p:cNvSpPr>
+          <p:nvPr>
+            <p:ph sz="half" idx="2"/>
+          </p:nvPr>
+        </p:nvSpPr>
+        <p:spPr/>
+        <p:txBody>
+          <a:bodyPr/>
+          <a:lstStyle/>
           <a:p>
             <a:r>
               <a:rPr lang="es-ES" dirty="0"/>
-              <a:t>Cliente potencial serian las familias </a:t>
+              <a:t>Se logró cumplir el alcance propuesto ya que al momento de finalizar la orden de compra el usuario recibe un mensaje de confirmación mediante SMS.</a:t>
             </a:r>
           </a:p>
           <a:p>
             <a:r>
               <a:rPr lang="es-ES" dirty="0"/>
-              <a:t>Buenas practicas Scrum para trabajar colaborativamente</a:t>
+              <a:t>El uso del Framework Vue.js nos permitió renderizar la GUI permitiendo que la programación en JavaScript sea más intuitiva e inyectar programación JavaScript en los elementos HTML.</a:t>
             </a:r>
-            <a:endParaRPr lang="es-EC" dirty="0"/>
-          </a:p>
-          <a:p>
-            <a:r>
-              <a:rPr lang="es-EC" dirty="0"/>
-              <a:t>Control de versiones de GitHub</a:t>
-            </a:r>
+          </a:p>
+        </p:txBody>
+      </p:sp>
+      <p:sp>
+        <p:nvSpPr>
+          <p:cNvPr id="5" name="Marcador de texto 4">
+            <a:extLst>
+              <a:ext uri="{FF2B5EF4-FFF2-40B4-BE49-F238E27FC236}">
+                <a16:creationId xmlns:a16="http://schemas.microsoft.com/office/drawing/2014/main" id="{27F58EFA-A959-4B42-AC24-FF281CB8C0AF}"/>
+              </a:ext>
+            </a:extLst>
+          </p:cNvPr>
+          <p:cNvSpPr>
+            <a:spLocks noGrp="1"/>
+          </p:cNvSpPr>
+          <p:nvPr>
+            <p:ph type="body" sz="quarter" idx="3"/>
+          </p:nvPr>
+        </p:nvSpPr>
+        <p:spPr/>
+        <p:txBody>
+          <a:bodyPr/>
+          <a:lstStyle/>
+          <a:p>
             <a:r>
               <a:rPr lang="es-ES" dirty="0"/>
-              <a:t> para </a:t>
+              <a:t>Recomendaciones</a:t>
             </a:r>
+          </a:p>
+        </p:txBody>
+      </p:sp>
+      <p:sp>
+        <p:nvSpPr>
+          <p:cNvPr id="6" name="Marcador de contenido 5">
+            <a:extLst>
+              <a:ext uri="{FF2B5EF4-FFF2-40B4-BE49-F238E27FC236}">
+                <a16:creationId xmlns:a16="http://schemas.microsoft.com/office/drawing/2014/main" id="{277B72D5-FF09-4AC2-9A6F-9781A4C3E419}"/>
+              </a:ext>
+            </a:extLst>
+          </p:cNvPr>
+          <p:cNvSpPr>
+            <a:spLocks noGrp="1"/>
+          </p:cNvSpPr>
+          <p:nvPr>
+            <p:ph sz="quarter" idx="4"/>
+          </p:nvPr>
+        </p:nvSpPr>
+        <p:spPr/>
+        <p:txBody>
+          <a:bodyPr/>
+          <a:lstStyle/>
+          <a:p>
             <a:r>
-              <a:rPr lang="es-ES"/>
-              <a:t>la colaboración</a:t>
+              <a:rPr lang="es-ES" dirty="0"/>
+              <a:t>Probar la aplicación web con grupos focales dentro y fuera de la universidad para obtener una retroalimentación cercana a la que obtendría una aplicación creada con propósitos de una empresa en el mundo real.</a:t>
             </a:r>
-            <a:endParaRPr lang="es-EC" dirty="0"/>
+          </a:p>
+          <a:p>
+            <a:r>
+              <a:rPr lang="es-ES" dirty="0"/>
+              <a:t>Cuando se desarrolla colaborativamente se debe trabajar con las mismas versiones de Laravel ya que si se trabaja con versiones recientes contra versiones antiguas las estructuras de programación son distintas entre sí.</a:t>
+            </a:r>
           </a:p>
         </p:txBody>
       </p:sp>
     </p:spTree>
     <p:extLst>
       <p:ext uri="{BB962C8B-B14F-4D97-AF65-F5344CB8AC3E}">
-        <p14:creationId xmlns:p14="http://schemas.microsoft.com/office/powerpoint/2010/main" val="468195350"/>
+        <p14:creationId xmlns:p14="http://schemas.microsoft.com/office/powerpoint/2010/main" val="3122193200"/>
       </p:ext>
     </p:extLst>
   </p:cSld>
